--- a/Report1_Visualize.pptx
+++ b/Report1_Visualize.pptx
@@ -5,7 +5,7 @@
     <p:sldMasterId id="2147483648" r:id="rId1"/>
   </p:sldMasterIdLst>
   <p:notesMasterIdLst>
-    <p:notesMasterId r:id="rId9"/>
+    <p:notesMasterId r:id="rId12"/>
   </p:notesMasterIdLst>
   <p:sldIdLst>
     <p:sldId id="256" r:id="rId2"/>
@@ -15,6 +15,9 @@
     <p:sldId id="260" r:id="rId6"/>
     <p:sldId id="261" r:id="rId7"/>
     <p:sldId id="262" r:id="rId8"/>
+    <p:sldId id="263" r:id="rId9"/>
+    <p:sldId id="264" r:id="rId10"/>
+    <p:sldId id="265" r:id="rId11"/>
   </p:sldIdLst>
   <p:sldSz cx="12192000" cy="6858000"/>
   <p:notesSz cx="6858000" cy="9144000"/>
@@ -203,7 +206,7 @@
           <a:p>
             <a:fld id="{8B06A0D9-0C96-4F8F-BF6D-5BFEC1877F96}" type="datetimeFigureOut">
               <a:rPr lang="ko-KR" altLang="en-US" smtClean="0"/>
-              <a:t>2025-10-01</a:t>
+              <a:t>2025-10-06</a:t>
             </a:fld>
             <a:endParaRPr lang="ko-KR" altLang="en-US"/>
           </a:p>
@@ -701,7 +704,7 @@
           <a:p>
             <a:fld id="{224B0C7B-C92E-428F-962E-86088685D708}" type="datetimeFigureOut">
               <a:rPr lang="ko-KR" altLang="en-US" smtClean="0"/>
-              <a:t>2025-09-30</a:t>
+              <a:t>2025-10-06</a:t>
             </a:fld>
             <a:endParaRPr lang="ko-KR" altLang="en-US"/>
           </a:p>
@@ -899,7 +902,7 @@
           <a:p>
             <a:fld id="{224B0C7B-C92E-428F-962E-86088685D708}" type="datetimeFigureOut">
               <a:rPr lang="ko-KR" altLang="en-US" smtClean="0"/>
-              <a:t>2025-09-30</a:t>
+              <a:t>2025-10-06</a:t>
             </a:fld>
             <a:endParaRPr lang="ko-KR" altLang="en-US"/>
           </a:p>
@@ -1107,7 +1110,7 @@
           <a:p>
             <a:fld id="{224B0C7B-C92E-428F-962E-86088685D708}" type="datetimeFigureOut">
               <a:rPr lang="ko-KR" altLang="en-US" smtClean="0"/>
-              <a:t>2025-09-30</a:t>
+              <a:t>2025-10-06</a:t>
             </a:fld>
             <a:endParaRPr lang="ko-KR" altLang="en-US"/>
           </a:p>
@@ -1305,7 +1308,7 @@
           <a:p>
             <a:fld id="{224B0C7B-C92E-428F-962E-86088685D708}" type="datetimeFigureOut">
               <a:rPr lang="ko-KR" altLang="en-US" smtClean="0"/>
-              <a:t>2025-09-30</a:t>
+              <a:t>2025-10-06</a:t>
             </a:fld>
             <a:endParaRPr lang="ko-KR" altLang="en-US"/>
           </a:p>
@@ -1580,7 +1583,7 @@
           <a:p>
             <a:fld id="{224B0C7B-C92E-428F-962E-86088685D708}" type="datetimeFigureOut">
               <a:rPr lang="ko-KR" altLang="en-US" smtClean="0"/>
-              <a:t>2025-09-30</a:t>
+              <a:t>2025-10-06</a:t>
             </a:fld>
             <a:endParaRPr lang="ko-KR" altLang="en-US"/>
           </a:p>
@@ -1845,7 +1848,7 @@
           <a:p>
             <a:fld id="{224B0C7B-C92E-428F-962E-86088685D708}" type="datetimeFigureOut">
               <a:rPr lang="ko-KR" altLang="en-US" smtClean="0"/>
-              <a:t>2025-09-30</a:t>
+              <a:t>2025-10-06</a:t>
             </a:fld>
             <a:endParaRPr lang="ko-KR" altLang="en-US"/>
           </a:p>
@@ -2257,7 +2260,7 @@
           <a:p>
             <a:fld id="{224B0C7B-C92E-428F-962E-86088685D708}" type="datetimeFigureOut">
               <a:rPr lang="ko-KR" altLang="en-US" smtClean="0"/>
-              <a:t>2025-09-30</a:t>
+              <a:t>2025-10-06</a:t>
             </a:fld>
             <a:endParaRPr lang="ko-KR" altLang="en-US"/>
           </a:p>
@@ -2398,7 +2401,7 @@
           <a:p>
             <a:fld id="{224B0C7B-C92E-428F-962E-86088685D708}" type="datetimeFigureOut">
               <a:rPr lang="ko-KR" altLang="en-US" smtClean="0"/>
-              <a:t>2025-09-30</a:t>
+              <a:t>2025-10-06</a:t>
             </a:fld>
             <a:endParaRPr lang="ko-KR" altLang="en-US"/>
           </a:p>
@@ -2511,7 +2514,7 @@
           <a:p>
             <a:fld id="{224B0C7B-C92E-428F-962E-86088685D708}" type="datetimeFigureOut">
               <a:rPr lang="ko-KR" altLang="en-US" smtClean="0"/>
-              <a:t>2025-09-30</a:t>
+              <a:t>2025-10-06</a:t>
             </a:fld>
             <a:endParaRPr lang="ko-KR" altLang="en-US"/>
           </a:p>
@@ -2822,7 +2825,7 @@
           <a:p>
             <a:fld id="{224B0C7B-C92E-428F-962E-86088685D708}" type="datetimeFigureOut">
               <a:rPr lang="ko-KR" altLang="en-US" smtClean="0"/>
-              <a:t>2025-09-30</a:t>
+              <a:t>2025-10-06</a:t>
             </a:fld>
             <a:endParaRPr lang="ko-KR" altLang="en-US"/>
           </a:p>
@@ -3110,7 +3113,7 @@
           <a:p>
             <a:fld id="{224B0C7B-C92E-428F-962E-86088685D708}" type="datetimeFigureOut">
               <a:rPr lang="ko-KR" altLang="en-US" smtClean="0"/>
-              <a:t>2025-09-30</a:t>
+              <a:t>2025-10-06</a:t>
             </a:fld>
             <a:endParaRPr lang="ko-KR" altLang="en-US"/>
           </a:p>
@@ -3351,7 +3354,7 @@
           <a:p>
             <a:fld id="{224B0C7B-C92E-428F-962E-86088685D708}" type="datetimeFigureOut">
               <a:rPr lang="ko-KR" altLang="en-US" smtClean="0"/>
-              <a:t>2025-09-30</a:t>
+              <a:t>2025-10-06</a:t>
             </a:fld>
             <a:endParaRPr lang="ko-KR" altLang="en-US"/>
           </a:p>
@@ -6153,6 +6156,880 @@
     <p:extLst>
       <p:ext uri="{BB962C8B-B14F-4D97-AF65-F5344CB8AC3E}">
         <p14:creationId xmlns:p14="http://schemas.microsoft.com/office/powerpoint/2010/main" val="1060176800"/>
+      </p:ext>
+    </p:extLst>
+  </p:cSld>
+  <p:clrMapOvr>
+    <a:masterClrMapping/>
+  </p:clrMapOvr>
+</p:sld>
+</file>
+
+<file path=ppt/slides/slide10.xml><?xml version="1.0" encoding="utf-8"?>
+<p:sld xmlns:a="http://schemas.openxmlformats.org/drawingml/2006/main" xmlns:r="http://schemas.openxmlformats.org/officeDocument/2006/relationships" xmlns:p="http://schemas.openxmlformats.org/presentationml/2006/main">
+  <p:cSld>
+    <p:spTree>
+      <p:nvGrpSpPr>
+        <p:cNvPr id="1" name=""/>
+        <p:cNvGrpSpPr/>
+        <p:nvPr/>
+      </p:nvGrpSpPr>
+      <p:grpSpPr>
+        <a:xfrm>
+          <a:off x="0" y="0"/>
+          <a:ext cx="0" cy="0"/>
+          <a:chOff x="0" y="0"/>
+          <a:chExt cx="0" cy="0"/>
+        </a:xfrm>
+      </p:grpSpPr>
+      <p:grpSp>
+        <p:nvGrpSpPr>
+          <p:cNvPr id="19" name="그룹 18">
+            <a:extLst>
+              <a:ext uri="{FF2B5EF4-FFF2-40B4-BE49-F238E27FC236}">
+                <a16:creationId xmlns:a16="http://schemas.microsoft.com/office/drawing/2014/main" id="{A5D3CEE0-0BF7-96A0-1809-7934E85AE605}"/>
+              </a:ext>
+            </a:extLst>
+          </p:cNvPr>
+          <p:cNvGrpSpPr/>
+          <p:nvPr/>
+        </p:nvGrpSpPr>
+        <p:grpSpPr>
+          <a:xfrm>
+            <a:off x="1527048" y="2599769"/>
+            <a:ext cx="9137904" cy="1658461"/>
+            <a:chOff x="1527048" y="1839119"/>
+            <a:chExt cx="9137904" cy="1658461"/>
+          </a:xfrm>
+        </p:grpSpPr>
+        <p:sp>
+          <p:nvSpPr>
+            <p:cNvPr id="4" name="직사각형 3">
+              <a:extLst>
+                <a:ext uri="{FF2B5EF4-FFF2-40B4-BE49-F238E27FC236}">
+                  <a16:creationId xmlns:a16="http://schemas.microsoft.com/office/drawing/2014/main" id="{09DAEF40-9290-35C1-A125-EBD1E27CF9DD}"/>
+                </a:ext>
+              </a:extLst>
+            </p:cNvPr>
+            <p:cNvSpPr/>
+            <p:nvPr/>
+          </p:nvSpPr>
+          <p:spPr>
+            <a:xfrm>
+              <a:off x="1527048" y="2921508"/>
+              <a:ext cx="969264" cy="576072"/>
+            </a:xfrm>
+            <a:prstGeom prst="rect">
+              <a:avLst/>
+            </a:prstGeom>
+            <a:solidFill>
+              <a:schemeClr val="bg1"/>
+            </a:solidFill>
+            <a:ln>
+              <a:solidFill>
+                <a:schemeClr val="tx1"/>
+              </a:solidFill>
+            </a:ln>
+          </p:spPr>
+          <p:style>
+            <a:lnRef idx="2">
+              <a:schemeClr val="accent1">
+                <a:shade val="15000"/>
+              </a:schemeClr>
+            </a:lnRef>
+            <a:fillRef idx="1">
+              <a:schemeClr val="accent1"/>
+            </a:fillRef>
+            <a:effectRef idx="0">
+              <a:schemeClr val="accent1"/>
+            </a:effectRef>
+            <a:fontRef idx="minor">
+              <a:schemeClr val="lt1"/>
+            </a:fontRef>
+          </p:style>
+          <p:txBody>
+            <a:bodyPr rtlCol="0" anchor="ctr"/>
+            <a:lstStyle/>
+            <a:p>
+              <a:pPr algn="ctr"/>
+              <a:r>
+                <a:rPr lang="en-US" altLang="ko-KR" dirty="0">
+                  <a:solidFill>
+                    <a:schemeClr val="tx1"/>
+                  </a:solidFill>
+                </a:rPr>
+                <a:t>CBV</a:t>
+              </a:r>
+              <a:endParaRPr lang="ko-KR" altLang="en-US" dirty="0">
+                <a:solidFill>
+                  <a:schemeClr val="tx1"/>
+                </a:solidFill>
+              </a:endParaRPr>
+            </a:p>
+          </p:txBody>
+        </p:sp>
+        <p:sp>
+          <p:nvSpPr>
+            <p:cNvPr id="5" name="직사각형 4">
+              <a:extLst>
+                <a:ext uri="{FF2B5EF4-FFF2-40B4-BE49-F238E27FC236}">
+                  <a16:creationId xmlns:a16="http://schemas.microsoft.com/office/drawing/2014/main" id="{3ABD5839-8071-C3C5-9D4A-1B2FD4F94006}"/>
+                </a:ext>
+              </a:extLst>
+            </p:cNvPr>
+            <p:cNvSpPr/>
+            <p:nvPr/>
+          </p:nvSpPr>
+          <p:spPr>
+            <a:xfrm>
+              <a:off x="2496312" y="2921508"/>
+              <a:ext cx="969264" cy="576072"/>
+            </a:xfrm>
+            <a:prstGeom prst="rect">
+              <a:avLst/>
+            </a:prstGeom>
+            <a:solidFill>
+              <a:schemeClr val="bg1"/>
+            </a:solidFill>
+            <a:ln>
+              <a:solidFill>
+                <a:schemeClr val="tx1"/>
+              </a:solidFill>
+            </a:ln>
+          </p:spPr>
+          <p:style>
+            <a:lnRef idx="2">
+              <a:schemeClr val="accent1">
+                <a:shade val="15000"/>
+              </a:schemeClr>
+            </a:lnRef>
+            <a:fillRef idx="1">
+              <a:schemeClr val="accent1"/>
+            </a:fillRef>
+            <a:effectRef idx="0">
+              <a:schemeClr val="accent1"/>
+            </a:effectRef>
+            <a:fontRef idx="minor">
+              <a:schemeClr val="lt1"/>
+            </a:fontRef>
+          </p:style>
+          <p:txBody>
+            <a:bodyPr rtlCol="0" anchor="ctr"/>
+            <a:lstStyle/>
+            <a:p>
+              <a:pPr algn="ctr"/>
+              <a:r>
+                <a:rPr lang="en-US" altLang="ko-KR" dirty="0">
+                  <a:solidFill>
+                    <a:schemeClr val="tx1"/>
+                  </a:solidFill>
+                </a:rPr>
+                <a:t>CBV</a:t>
+              </a:r>
+              <a:endParaRPr lang="ko-KR" altLang="en-US" dirty="0">
+                <a:solidFill>
+                  <a:schemeClr val="tx1"/>
+                </a:solidFill>
+              </a:endParaRPr>
+            </a:p>
+          </p:txBody>
+        </p:sp>
+        <p:sp>
+          <p:nvSpPr>
+            <p:cNvPr id="6" name="직사각형 5">
+              <a:extLst>
+                <a:ext uri="{FF2B5EF4-FFF2-40B4-BE49-F238E27FC236}">
+                  <a16:creationId xmlns:a16="http://schemas.microsoft.com/office/drawing/2014/main" id="{5F529070-7A23-8939-650E-5B8B1DE58C5E}"/>
+                </a:ext>
+              </a:extLst>
+            </p:cNvPr>
+            <p:cNvSpPr/>
+            <p:nvPr/>
+          </p:nvSpPr>
+          <p:spPr>
+            <a:xfrm>
+              <a:off x="3465576" y="2921508"/>
+              <a:ext cx="969264" cy="576072"/>
+            </a:xfrm>
+            <a:prstGeom prst="rect">
+              <a:avLst/>
+            </a:prstGeom>
+            <a:solidFill>
+              <a:schemeClr val="bg1"/>
+            </a:solidFill>
+            <a:ln>
+              <a:solidFill>
+                <a:schemeClr val="tx1"/>
+              </a:solidFill>
+            </a:ln>
+          </p:spPr>
+          <p:style>
+            <a:lnRef idx="2">
+              <a:schemeClr val="accent1">
+                <a:shade val="15000"/>
+              </a:schemeClr>
+            </a:lnRef>
+            <a:fillRef idx="1">
+              <a:schemeClr val="accent1"/>
+            </a:fillRef>
+            <a:effectRef idx="0">
+              <a:schemeClr val="accent1"/>
+            </a:effectRef>
+            <a:fontRef idx="minor">
+              <a:schemeClr val="lt1"/>
+            </a:fontRef>
+          </p:style>
+          <p:txBody>
+            <a:bodyPr rtlCol="0" anchor="ctr"/>
+            <a:lstStyle/>
+            <a:p>
+              <a:pPr algn="ctr"/>
+              <a:r>
+                <a:rPr lang="en-US" altLang="ko-KR" dirty="0">
+                  <a:solidFill>
+                    <a:schemeClr val="tx1"/>
+                  </a:solidFill>
+                </a:rPr>
+                <a:t>SRV</a:t>
+              </a:r>
+              <a:endParaRPr lang="ko-KR" altLang="en-US" dirty="0">
+                <a:solidFill>
+                  <a:schemeClr val="tx1"/>
+                </a:solidFill>
+              </a:endParaRPr>
+            </a:p>
+          </p:txBody>
+        </p:sp>
+        <p:sp>
+          <p:nvSpPr>
+            <p:cNvPr id="7" name="직사각형 6">
+              <a:extLst>
+                <a:ext uri="{FF2B5EF4-FFF2-40B4-BE49-F238E27FC236}">
+                  <a16:creationId xmlns:a16="http://schemas.microsoft.com/office/drawing/2014/main" id="{F7E807C1-0F6A-B888-56DE-F33CB1DED554}"/>
+                </a:ext>
+              </a:extLst>
+            </p:cNvPr>
+            <p:cNvSpPr/>
+            <p:nvPr/>
+          </p:nvSpPr>
+          <p:spPr>
+            <a:xfrm>
+              <a:off x="4434840" y="2921508"/>
+              <a:ext cx="969264" cy="576072"/>
+            </a:xfrm>
+            <a:prstGeom prst="rect">
+              <a:avLst/>
+            </a:prstGeom>
+            <a:solidFill>
+              <a:schemeClr val="bg1"/>
+            </a:solidFill>
+            <a:ln>
+              <a:solidFill>
+                <a:schemeClr val="tx1"/>
+              </a:solidFill>
+            </a:ln>
+          </p:spPr>
+          <p:style>
+            <a:lnRef idx="2">
+              <a:schemeClr val="accent1">
+                <a:shade val="15000"/>
+              </a:schemeClr>
+            </a:lnRef>
+            <a:fillRef idx="1">
+              <a:schemeClr val="accent1"/>
+            </a:fillRef>
+            <a:effectRef idx="0">
+              <a:schemeClr val="accent1"/>
+            </a:effectRef>
+            <a:fontRef idx="minor">
+              <a:schemeClr val="lt1"/>
+            </a:fontRef>
+          </p:style>
+          <p:txBody>
+            <a:bodyPr rtlCol="0" anchor="ctr"/>
+            <a:lstStyle/>
+            <a:p>
+              <a:pPr algn="ctr"/>
+              <a:endParaRPr lang="ko-KR" altLang="en-US">
+                <a:solidFill>
+                  <a:schemeClr val="tx1"/>
+                </a:solidFill>
+              </a:endParaRPr>
+            </a:p>
+          </p:txBody>
+        </p:sp>
+        <p:sp>
+          <p:nvSpPr>
+            <p:cNvPr id="8" name="직사각형 7">
+              <a:extLst>
+                <a:ext uri="{FF2B5EF4-FFF2-40B4-BE49-F238E27FC236}">
+                  <a16:creationId xmlns:a16="http://schemas.microsoft.com/office/drawing/2014/main" id="{CB9C4771-1B0B-1C30-CA0E-5762B89ACA54}"/>
+                </a:ext>
+              </a:extLst>
+            </p:cNvPr>
+            <p:cNvSpPr/>
+            <p:nvPr/>
+          </p:nvSpPr>
+          <p:spPr>
+            <a:xfrm>
+              <a:off x="5404104" y="2921508"/>
+              <a:ext cx="969264" cy="576072"/>
+            </a:xfrm>
+            <a:prstGeom prst="rect">
+              <a:avLst/>
+            </a:prstGeom>
+            <a:solidFill>
+              <a:schemeClr val="bg1"/>
+            </a:solidFill>
+            <a:ln>
+              <a:solidFill>
+                <a:schemeClr val="tx1"/>
+              </a:solidFill>
+            </a:ln>
+          </p:spPr>
+          <p:style>
+            <a:lnRef idx="2">
+              <a:schemeClr val="accent1">
+                <a:shade val="15000"/>
+              </a:schemeClr>
+            </a:lnRef>
+            <a:fillRef idx="1">
+              <a:schemeClr val="accent1"/>
+            </a:fillRef>
+            <a:effectRef idx="0">
+              <a:schemeClr val="accent1"/>
+            </a:effectRef>
+            <a:fontRef idx="minor">
+              <a:schemeClr val="lt1"/>
+            </a:fontRef>
+          </p:style>
+          <p:txBody>
+            <a:bodyPr rtlCol="0" anchor="ctr"/>
+            <a:lstStyle/>
+            <a:p>
+              <a:pPr algn="ctr"/>
+              <a:endParaRPr lang="ko-KR" altLang="en-US">
+                <a:solidFill>
+                  <a:schemeClr val="tx1"/>
+                </a:solidFill>
+              </a:endParaRPr>
+            </a:p>
+          </p:txBody>
+        </p:sp>
+        <p:sp>
+          <p:nvSpPr>
+            <p:cNvPr id="9" name="직사각형 8">
+              <a:extLst>
+                <a:ext uri="{FF2B5EF4-FFF2-40B4-BE49-F238E27FC236}">
+                  <a16:creationId xmlns:a16="http://schemas.microsoft.com/office/drawing/2014/main" id="{0F384241-F14A-4D6F-31EF-969B17E50ABD}"/>
+                </a:ext>
+              </a:extLst>
+            </p:cNvPr>
+            <p:cNvSpPr/>
+            <p:nvPr/>
+          </p:nvSpPr>
+          <p:spPr>
+            <a:xfrm>
+              <a:off x="6373368" y="2921508"/>
+              <a:ext cx="969264" cy="576072"/>
+            </a:xfrm>
+            <a:prstGeom prst="rect">
+              <a:avLst/>
+            </a:prstGeom>
+            <a:solidFill>
+              <a:schemeClr val="bg1"/>
+            </a:solidFill>
+            <a:ln>
+              <a:solidFill>
+                <a:schemeClr val="tx1"/>
+              </a:solidFill>
+            </a:ln>
+          </p:spPr>
+          <p:style>
+            <a:lnRef idx="2">
+              <a:schemeClr val="accent1">
+                <a:shade val="15000"/>
+              </a:schemeClr>
+            </a:lnRef>
+            <a:fillRef idx="1">
+              <a:schemeClr val="accent1"/>
+            </a:fillRef>
+            <a:effectRef idx="0">
+              <a:schemeClr val="accent1"/>
+            </a:effectRef>
+            <a:fontRef idx="minor">
+              <a:schemeClr val="lt1"/>
+            </a:fontRef>
+          </p:style>
+          <p:txBody>
+            <a:bodyPr rtlCol="0" anchor="ctr"/>
+            <a:lstStyle/>
+            <a:p>
+              <a:pPr algn="ctr"/>
+              <a:endParaRPr lang="ko-KR" altLang="en-US">
+                <a:solidFill>
+                  <a:schemeClr val="tx1"/>
+                </a:solidFill>
+              </a:endParaRPr>
+            </a:p>
+          </p:txBody>
+        </p:sp>
+        <p:sp>
+          <p:nvSpPr>
+            <p:cNvPr id="10" name="직사각형 9">
+              <a:extLst>
+                <a:ext uri="{FF2B5EF4-FFF2-40B4-BE49-F238E27FC236}">
+                  <a16:creationId xmlns:a16="http://schemas.microsoft.com/office/drawing/2014/main" id="{261FA857-8AC5-3B63-29D7-F3CD03502CC6}"/>
+                </a:ext>
+              </a:extLst>
+            </p:cNvPr>
+            <p:cNvSpPr/>
+            <p:nvPr/>
+          </p:nvSpPr>
+          <p:spPr>
+            <a:xfrm>
+              <a:off x="7342632" y="2921508"/>
+              <a:ext cx="969264" cy="576072"/>
+            </a:xfrm>
+            <a:prstGeom prst="rect">
+              <a:avLst/>
+            </a:prstGeom>
+            <a:solidFill>
+              <a:schemeClr val="bg1"/>
+            </a:solidFill>
+            <a:ln>
+              <a:solidFill>
+                <a:schemeClr val="tx1"/>
+              </a:solidFill>
+            </a:ln>
+          </p:spPr>
+          <p:style>
+            <a:lnRef idx="2">
+              <a:schemeClr val="accent1">
+                <a:shade val="15000"/>
+              </a:schemeClr>
+            </a:lnRef>
+            <a:fillRef idx="1">
+              <a:schemeClr val="accent1"/>
+            </a:fillRef>
+            <a:effectRef idx="0">
+              <a:schemeClr val="accent1"/>
+            </a:effectRef>
+            <a:fontRef idx="minor">
+              <a:schemeClr val="lt1"/>
+            </a:fontRef>
+          </p:style>
+          <p:txBody>
+            <a:bodyPr rtlCol="0" anchor="ctr"/>
+            <a:lstStyle/>
+            <a:p>
+              <a:pPr algn="ctr"/>
+              <a:endParaRPr lang="ko-KR" altLang="en-US">
+                <a:solidFill>
+                  <a:schemeClr val="tx1"/>
+                </a:solidFill>
+              </a:endParaRPr>
+            </a:p>
+          </p:txBody>
+        </p:sp>
+        <p:sp>
+          <p:nvSpPr>
+            <p:cNvPr id="11" name="직사각형 10">
+              <a:extLst>
+                <a:ext uri="{FF2B5EF4-FFF2-40B4-BE49-F238E27FC236}">
+                  <a16:creationId xmlns:a16="http://schemas.microsoft.com/office/drawing/2014/main" id="{3C626BBD-E508-91F7-71B3-38A2A97CEEDA}"/>
+                </a:ext>
+              </a:extLst>
+            </p:cNvPr>
+            <p:cNvSpPr/>
+            <p:nvPr/>
+          </p:nvSpPr>
+          <p:spPr>
+            <a:xfrm>
+              <a:off x="8311896" y="2921508"/>
+              <a:ext cx="969264" cy="576072"/>
+            </a:xfrm>
+            <a:prstGeom prst="rect">
+              <a:avLst/>
+            </a:prstGeom>
+            <a:solidFill>
+              <a:schemeClr val="bg1"/>
+            </a:solidFill>
+            <a:ln>
+              <a:solidFill>
+                <a:schemeClr val="tx1"/>
+              </a:solidFill>
+            </a:ln>
+          </p:spPr>
+          <p:style>
+            <a:lnRef idx="2">
+              <a:schemeClr val="accent1">
+                <a:shade val="15000"/>
+              </a:schemeClr>
+            </a:lnRef>
+            <a:fillRef idx="1">
+              <a:schemeClr val="accent1"/>
+            </a:fillRef>
+            <a:effectRef idx="0">
+              <a:schemeClr val="accent1"/>
+            </a:effectRef>
+            <a:fontRef idx="minor">
+              <a:schemeClr val="lt1"/>
+            </a:fontRef>
+          </p:style>
+          <p:txBody>
+            <a:bodyPr rtlCol="0" anchor="ctr"/>
+            <a:lstStyle/>
+            <a:p>
+              <a:pPr algn="ctr"/>
+              <a:endParaRPr lang="ko-KR" altLang="en-US">
+                <a:solidFill>
+                  <a:schemeClr val="tx1"/>
+                </a:solidFill>
+              </a:endParaRPr>
+            </a:p>
+          </p:txBody>
+        </p:sp>
+        <p:sp>
+          <p:nvSpPr>
+            <p:cNvPr id="12" name="직사각형 11">
+              <a:extLst>
+                <a:ext uri="{FF2B5EF4-FFF2-40B4-BE49-F238E27FC236}">
+                  <a16:creationId xmlns:a16="http://schemas.microsoft.com/office/drawing/2014/main" id="{BE85202C-9A74-4CC7-EE5D-DAD21B9E9189}"/>
+                </a:ext>
+              </a:extLst>
+            </p:cNvPr>
+            <p:cNvSpPr/>
+            <p:nvPr/>
+          </p:nvSpPr>
+          <p:spPr>
+            <a:xfrm>
+              <a:off x="9281160" y="2921508"/>
+              <a:ext cx="969264" cy="576072"/>
+            </a:xfrm>
+            <a:prstGeom prst="rect">
+              <a:avLst/>
+            </a:prstGeom>
+            <a:solidFill>
+              <a:schemeClr val="bg1"/>
+            </a:solidFill>
+            <a:ln>
+              <a:solidFill>
+                <a:schemeClr val="tx1"/>
+              </a:solidFill>
+            </a:ln>
+          </p:spPr>
+          <p:style>
+            <a:lnRef idx="2">
+              <a:schemeClr val="accent1">
+                <a:shade val="15000"/>
+              </a:schemeClr>
+            </a:lnRef>
+            <a:fillRef idx="1">
+              <a:schemeClr val="accent1"/>
+            </a:fillRef>
+            <a:effectRef idx="0">
+              <a:schemeClr val="accent1"/>
+            </a:effectRef>
+            <a:fontRef idx="minor">
+              <a:schemeClr val="lt1"/>
+            </a:fontRef>
+          </p:style>
+          <p:txBody>
+            <a:bodyPr rtlCol="0" anchor="ctr"/>
+            <a:lstStyle/>
+            <a:p>
+              <a:pPr algn="ctr"/>
+              <a:endParaRPr lang="ko-KR" altLang="en-US">
+                <a:solidFill>
+                  <a:schemeClr val="tx1"/>
+                </a:solidFill>
+              </a:endParaRPr>
+            </a:p>
+          </p:txBody>
+        </p:sp>
+        <p:cxnSp>
+          <p:nvCxnSpPr>
+            <p:cNvPr id="14" name="직선 연결선 13">
+              <a:extLst>
+                <a:ext uri="{FF2B5EF4-FFF2-40B4-BE49-F238E27FC236}">
+                  <a16:creationId xmlns:a16="http://schemas.microsoft.com/office/drawing/2014/main" id="{C2EF5CCE-4C03-B1D9-466D-6CF119849707}"/>
+                </a:ext>
+              </a:extLst>
+            </p:cNvPr>
+            <p:cNvCxnSpPr>
+              <a:cxnSpLocks/>
+            </p:cNvCxnSpPr>
+            <p:nvPr/>
+          </p:nvCxnSpPr>
+          <p:spPr>
+            <a:xfrm>
+              <a:off x="4434840" y="1839119"/>
+              <a:ext cx="0" cy="1658461"/>
+            </a:xfrm>
+            <a:prstGeom prst="line">
+              <a:avLst/>
+            </a:prstGeom>
+            <a:ln>
+              <a:solidFill>
+                <a:schemeClr val="tx1"/>
+              </a:solidFill>
+              <a:prstDash val="dash"/>
+            </a:ln>
+          </p:spPr>
+          <p:style>
+            <a:lnRef idx="2">
+              <a:schemeClr val="accent1"/>
+            </a:lnRef>
+            <a:fillRef idx="0">
+              <a:schemeClr val="accent1"/>
+            </a:fillRef>
+            <a:effectRef idx="1">
+              <a:schemeClr val="accent1"/>
+            </a:effectRef>
+            <a:fontRef idx="minor">
+              <a:schemeClr val="tx1"/>
+            </a:fontRef>
+          </p:style>
+        </p:cxnSp>
+        <p:sp>
+          <p:nvSpPr>
+            <p:cNvPr id="15" name="말풍선: 사각형 14">
+              <a:extLst>
+                <a:ext uri="{FF2B5EF4-FFF2-40B4-BE49-F238E27FC236}">
+                  <a16:creationId xmlns:a16="http://schemas.microsoft.com/office/drawing/2014/main" id="{F80088F8-CFA5-C81B-C68C-95ABB1653DC3}"/>
+                </a:ext>
+              </a:extLst>
+            </p:cNvPr>
+            <p:cNvSpPr/>
+            <p:nvPr/>
+          </p:nvSpPr>
+          <p:spPr>
+            <a:xfrm>
+              <a:off x="2496313" y="1839119"/>
+              <a:ext cx="1666494" cy="672433"/>
+            </a:xfrm>
+            <a:prstGeom prst="wedgeRectCallout">
+              <a:avLst>
+                <a:gd name="adj1" fmla="val 64413"/>
+                <a:gd name="adj2" fmla="val 107474"/>
+              </a:avLst>
+            </a:prstGeom>
+            <a:solidFill>
+              <a:schemeClr val="bg1"/>
+            </a:solidFill>
+            <a:ln>
+              <a:solidFill>
+                <a:schemeClr val="tx1"/>
+              </a:solidFill>
+            </a:ln>
+          </p:spPr>
+          <p:style>
+            <a:lnRef idx="2">
+              <a:schemeClr val="accent1">
+                <a:shade val="15000"/>
+              </a:schemeClr>
+            </a:lnRef>
+            <a:fillRef idx="1">
+              <a:schemeClr val="accent1"/>
+            </a:fillRef>
+            <a:effectRef idx="0">
+              <a:schemeClr val="accent1"/>
+            </a:effectRef>
+            <a:fontRef idx="minor">
+              <a:schemeClr val="lt1"/>
+            </a:fontRef>
+          </p:style>
+          <p:txBody>
+            <a:bodyPr rtlCol="0" anchor="ctr"/>
+            <a:lstStyle/>
+            <a:p>
+              <a:pPr algn="ctr"/>
+              <a:r>
+                <a:rPr lang="en-US" altLang="ko-KR" sz="1400" dirty="0">
+                  <a:solidFill>
+                    <a:schemeClr val="tx1"/>
+                  </a:solidFill>
+                </a:rPr>
+                <a:t>For </a:t>
+              </a:r>
+              <a:r>
+                <a:rPr lang="ko-KR" altLang="en-US" sz="1400" dirty="0">
+                  <a:solidFill>
+                    <a:schemeClr val="tx1"/>
+                  </a:solidFill>
+                </a:rPr>
+                <a:t>루프 전까지 </a:t>
+              </a:r>
+              <a:r>
+                <a:rPr lang="en-US" altLang="ko-KR" sz="1400" dirty="0">
+                  <a:solidFill>
+                    <a:schemeClr val="tx1"/>
+                  </a:solidFill>
+                </a:rPr>
+                <a:t>Descriptor Heap</a:t>
+              </a:r>
+              <a:endParaRPr lang="ko-KR" altLang="en-US" sz="1400" dirty="0">
+                <a:solidFill>
+                  <a:schemeClr val="tx1"/>
+                </a:solidFill>
+              </a:endParaRPr>
+            </a:p>
+          </p:txBody>
+        </p:sp>
+        <p:sp>
+          <p:nvSpPr>
+            <p:cNvPr id="16" name="TextBox 15">
+              <a:extLst>
+                <a:ext uri="{FF2B5EF4-FFF2-40B4-BE49-F238E27FC236}">
+                  <a16:creationId xmlns:a16="http://schemas.microsoft.com/office/drawing/2014/main" id="{69D25ADD-B47E-98EA-3F1B-B3F0ADD1E2A8}"/>
+                </a:ext>
+              </a:extLst>
+            </p:cNvPr>
+            <p:cNvSpPr txBox="1"/>
+            <p:nvPr/>
+          </p:nvSpPr>
+          <p:spPr>
+            <a:xfrm>
+              <a:off x="10308764" y="2932176"/>
+              <a:ext cx="356188" cy="369332"/>
+            </a:xfrm>
+            <a:prstGeom prst="rect">
+              <a:avLst/>
+            </a:prstGeom>
+            <a:noFill/>
+          </p:spPr>
+          <p:txBody>
+            <a:bodyPr wrap="none" rtlCol="0">
+              <a:spAutoFit/>
+            </a:bodyPr>
+            <a:lstStyle/>
+            <a:p>
+              <a:r>
+                <a:rPr lang="en-US" altLang="ko-KR" dirty="0"/>
+                <a:t>…</a:t>
+              </a:r>
+              <a:endParaRPr lang="ko-KR" altLang="en-US" dirty="0"/>
+            </a:p>
+          </p:txBody>
+        </p:sp>
+        <p:sp>
+          <p:nvSpPr>
+            <p:cNvPr id="17" name="오른쪽 대괄호 16">
+              <a:extLst>
+                <a:ext uri="{FF2B5EF4-FFF2-40B4-BE49-F238E27FC236}">
+                  <a16:creationId xmlns:a16="http://schemas.microsoft.com/office/drawing/2014/main" id="{BFEAA2C9-5A82-D85C-B8DE-50FBBFD4CA6A}"/>
+                </a:ext>
+              </a:extLst>
+            </p:cNvPr>
+            <p:cNvSpPr/>
+            <p:nvPr/>
+          </p:nvSpPr>
+          <p:spPr>
+            <a:xfrm rot="16200000">
+              <a:off x="7345212" y="-471973"/>
+              <a:ext cx="409368" cy="6230112"/>
+            </a:xfrm>
+            <a:prstGeom prst="rightBracket">
+              <a:avLst>
+                <a:gd name="adj" fmla="val 172137"/>
+              </a:avLst>
+            </a:prstGeom>
+            <a:ln w="28575">
+              <a:solidFill>
+                <a:schemeClr val="tx1"/>
+              </a:solidFill>
+            </a:ln>
+          </p:spPr>
+          <p:style>
+            <a:lnRef idx="2">
+              <a:schemeClr val="accent1"/>
+            </a:lnRef>
+            <a:fillRef idx="0">
+              <a:schemeClr val="accent1"/>
+            </a:fillRef>
+            <a:effectRef idx="1">
+              <a:schemeClr val="accent1"/>
+            </a:effectRef>
+            <a:fontRef idx="minor">
+              <a:schemeClr val="tx1"/>
+            </a:fontRef>
+          </p:style>
+          <p:txBody>
+            <a:bodyPr rtlCol="0" anchor="ctr"/>
+            <a:lstStyle/>
+            <a:p>
+              <a:pPr algn="ctr"/>
+              <a:endParaRPr lang="ko-KR" altLang="en-US"/>
+            </a:p>
+          </p:txBody>
+        </p:sp>
+        <p:sp>
+          <p:nvSpPr>
+            <p:cNvPr id="18" name="TextBox 17">
+              <a:extLst>
+                <a:ext uri="{FF2B5EF4-FFF2-40B4-BE49-F238E27FC236}">
+                  <a16:creationId xmlns:a16="http://schemas.microsoft.com/office/drawing/2014/main" id="{BD3D4F72-AB3C-9A2B-EFCE-02B6C60F3989}"/>
+                </a:ext>
+              </a:extLst>
+            </p:cNvPr>
+            <p:cNvSpPr txBox="1"/>
+            <p:nvPr/>
+          </p:nvSpPr>
+          <p:spPr>
+            <a:xfrm>
+              <a:off x="5170238" y="1984657"/>
+              <a:ext cx="4759316" cy="369332"/>
+            </a:xfrm>
+            <a:prstGeom prst="rect">
+              <a:avLst/>
+            </a:prstGeom>
+            <a:noFill/>
+            <a:ln w="19050">
+              <a:solidFill>
+                <a:schemeClr val="tx1"/>
+              </a:solidFill>
+            </a:ln>
+          </p:spPr>
+          <p:txBody>
+            <a:bodyPr wrap="none" rtlCol="0">
+              <a:spAutoFit/>
+            </a:bodyPr>
+            <a:lstStyle/>
+            <a:p>
+              <a:r>
+                <a:rPr lang="ko-KR" altLang="en-US" dirty="0"/>
+                <a:t>이 구간에 </a:t>
+              </a:r>
+              <a:r>
+                <a:rPr lang="en-US" altLang="ko-KR" dirty="0"/>
+                <a:t>Material </a:t>
+              </a:r>
+              <a:r>
+                <a:rPr lang="ko-KR" altLang="en-US" dirty="0"/>
+                <a:t>정보</a:t>
+              </a:r>
+              <a:r>
+                <a:rPr lang="en-US" altLang="ko-KR" dirty="0"/>
+                <a:t>(CBV)</a:t>
+              </a:r>
+              <a:r>
+                <a:rPr lang="ko-KR" altLang="en-US" dirty="0"/>
+                <a:t>를 </a:t>
+              </a:r>
+              <a:r>
+                <a:rPr lang="en-US" altLang="ko-KR" dirty="0"/>
+                <a:t>Copy &amp; Set</a:t>
+              </a:r>
+              <a:endParaRPr lang="ko-KR" altLang="en-US" dirty="0"/>
+            </a:p>
+          </p:txBody>
+        </p:sp>
+      </p:grpSp>
+    </p:spTree>
+    <p:extLst>
+      <p:ext uri="{BB962C8B-B14F-4D97-AF65-F5344CB8AC3E}">
+        <p14:creationId xmlns:p14="http://schemas.microsoft.com/office/powerpoint/2010/main" val="205326785"/>
       </p:ext>
     </p:extLst>
   </p:cSld>
@@ -19105,6 +19982,385 @@
 </p:sld>
 </file>
 
+<file path=ppt/slides/slide8.xml><?xml version="1.0" encoding="utf-8"?>
+<p:sld xmlns:a="http://schemas.openxmlformats.org/drawingml/2006/main" xmlns:r="http://schemas.openxmlformats.org/officeDocument/2006/relationships" xmlns:p="http://schemas.openxmlformats.org/presentationml/2006/main">
+  <p:cSld>
+    <p:spTree>
+      <p:nvGrpSpPr>
+        <p:cNvPr id="1" name=""/>
+        <p:cNvGrpSpPr/>
+        <p:nvPr/>
+      </p:nvGrpSpPr>
+      <p:grpSpPr>
+        <a:xfrm>
+          <a:off x="0" y="0"/>
+          <a:ext cx="0" cy="0"/>
+          <a:chOff x="0" y="0"/>
+          <a:chExt cx="0" cy="0"/>
+        </a:xfrm>
+      </p:grpSpPr>
+      <p:pic>
+        <p:nvPicPr>
+          <p:cNvPr id="5" name="그림 4">
+            <a:extLst>
+              <a:ext uri="{FF2B5EF4-FFF2-40B4-BE49-F238E27FC236}">
+                <a16:creationId xmlns:a16="http://schemas.microsoft.com/office/drawing/2014/main" id="{6AAAF5F8-C49E-6F30-3076-E8F5509667EE}"/>
+              </a:ext>
+            </a:extLst>
+          </p:cNvPr>
+          <p:cNvPicPr>
+            <a:picLocks noChangeAspect="1"/>
+          </p:cNvPicPr>
+          <p:nvPr/>
+        </p:nvPicPr>
+        <p:blipFill>
+          <a:blip r:embed="rId2"/>
+          <a:stretch>
+            <a:fillRect/>
+          </a:stretch>
+        </p:blipFill>
+        <p:spPr>
+          <a:xfrm>
+            <a:off x="2705350" y="4178844"/>
+            <a:ext cx="8233694" cy="2214864"/>
+          </a:xfrm>
+          <a:prstGeom prst="rect">
+            <a:avLst/>
+          </a:prstGeom>
+        </p:spPr>
+      </p:pic>
+      <p:pic>
+        <p:nvPicPr>
+          <p:cNvPr id="7" name="그림 6">
+            <a:extLst>
+              <a:ext uri="{FF2B5EF4-FFF2-40B4-BE49-F238E27FC236}">
+                <a16:creationId xmlns:a16="http://schemas.microsoft.com/office/drawing/2014/main" id="{3E0E7C7A-5187-94F2-5D6D-F8D9739F08A6}"/>
+              </a:ext>
+            </a:extLst>
+          </p:cNvPr>
+          <p:cNvPicPr>
+            <a:picLocks noChangeAspect="1"/>
+          </p:cNvPicPr>
+          <p:nvPr/>
+        </p:nvPicPr>
+        <p:blipFill>
+          <a:blip r:embed="rId3"/>
+          <a:stretch>
+            <a:fillRect/>
+          </a:stretch>
+        </p:blipFill>
+        <p:spPr>
+          <a:xfrm>
+            <a:off x="314325" y="223536"/>
+            <a:ext cx="10624719" cy="3955308"/>
+          </a:xfrm>
+          <a:prstGeom prst="rect">
+            <a:avLst/>
+          </a:prstGeom>
+        </p:spPr>
+      </p:pic>
+      <p:sp>
+        <p:nvSpPr>
+          <p:cNvPr id="8" name="직사각형 7">
+            <a:extLst>
+              <a:ext uri="{FF2B5EF4-FFF2-40B4-BE49-F238E27FC236}">
+                <a16:creationId xmlns:a16="http://schemas.microsoft.com/office/drawing/2014/main" id="{689060A7-CAA7-1E3D-433F-85ABD7827B8F}"/>
+              </a:ext>
+            </a:extLst>
+          </p:cNvPr>
+          <p:cNvSpPr/>
+          <p:nvPr/>
+        </p:nvSpPr>
+        <p:spPr>
+          <a:xfrm>
+            <a:off x="3286125" y="3305175"/>
+            <a:ext cx="4200525" cy="314325"/>
+          </a:xfrm>
+          <a:prstGeom prst="rect">
+            <a:avLst/>
+          </a:prstGeom>
+          <a:noFill/>
+          <a:ln w="28575">
+            <a:solidFill>
+              <a:srgbClr val="FF0000"/>
+            </a:solidFill>
+          </a:ln>
+        </p:spPr>
+        <p:style>
+          <a:lnRef idx="2">
+            <a:schemeClr val="accent1">
+              <a:shade val="15000"/>
+            </a:schemeClr>
+          </a:lnRef>
+          <a:fillRef idx="1">
+            <a:schemeClr val="accent1"/>
+          </a:fillRef>
+          <a:effectRef idx="0">
+            <a:schemeClr val="accent1"/>
+          </a:effectRef>
+          <a:fontRef idx="minor">
+            <a:schemeClr val="lt1"/>
+          </a:fontRef>
+        </p:style>
+        <p:txBody>
+          <a:bodyPr rtlCol="0" anchor="ctr"/>
+          <a:lstStyle/>
+          <a:p>
+            <a:pPr algn="ctr"/>
+            <a:endParaRPr lang="ko-KR" altLang="en-US"/>
+          </a:p>
+        </p:txBody>
+      </p:sp>
+      <p:cxnSp>
+        <p:nvCxnSpPr>
+          <p:cNvPr id="10" name="직선 화살표 연결선 9">
+            <a:extLst>
+              <a:ext uri="{FF2B5EF4-FFF2-40B4-BE49-F238E27FC236}">
+                <a16:creationId xmlns:a16="http://schemas.microsoft.com/office/drawing/2014/main" id="{EC740953-9B17-308F-3B05-6F7EF85012C2}"/>
+              </a:ext>
+            </a:extLst>
+          </p:cNvPr>
+          <p:cNvCxnSpPr>
+            <a:cxnSpLocks/>
+            <a:stCxn id="8" idx="2"/>
+          </p:cNvCxnSpPr>
+          <p:nvPr/>
+        </p:nvCxnSpPr>
+        <p:spPr>
+          <a:xfrm>
+            <a:off x="5386388" y="3619500"/>
+            <a:ext cx="481012" cy="819150"/>
+          </a:xfrm>
+          <a:prstGeom prst="straightConnector1">
+            <a:avLst/>
+          </a:prstGeom>
+          <a:ln w="28575">
+            <a:solidFill>
+              <a:srgbClr val="FF0000"/>
+            </a:solidFill>
+            <a:tailEnd type="triangle"/>
+          </a:ln>
+        </p:spPr>
+        <p:style>
+          <a:lnRef idx="2">
+            <a:schemeClr val="accent1"/>
+          </a:lnRef>
+          <a:fillRef idx="0">
+            <a:schemeClr val="accent1"/>
+          </a:fillRef>
+          <a:effectRef idx="1">
+            <a:schemeClr val="accent1"/>
+          </a:effectRef>
+          <a:fontRef idx="minor">
+            <a:schemeClr val="tx1"/>
+          </a:fontRef>
+        </p:style>
+      </p:cxnSp>
+    </p:spTree>
+    <p:extLst>
+      <p:ext uri="{BB962C8B-B14F-4D97-AF65-F5344CB8AC3E}">
+        <p14:creationId xmlns:p14="http://schemas.microsoft.com/office/powerpoint/2010/main" val="3705091966"/>
+      </p:ext>
+    </p:extLst>
+  </p:cSld>
+  <p:clrMapOvr>
+    <a:masterClrMapping/>
+  </p:clrMapOvr>
+</p:sld>
+</file>
+
+<file path=ppt/slides/slide9.xml><?xml version="1.0" encoding="utf-8"?>
+<p:sld xmlns:a="http://schemas.openxmlformats.org/drawingml/2006/main" xmlns:r="http://schemas.openxmlformats.org/officeDocument/2006/relationships" xmlns:p="http://schemas.openxmlformats.org/presentationml/2006/main">
+  <p:cSld>
+    <p:spTree>
+      <p:nvGrpSpPr>
+        <p:cNvPr id="1" name=""/>
+        <p:cNvGrpSpPr/>
+        <p:nvPr/>
+      </p:nvGrpSpPr>
+      <p:grpSpPr>
+        <a:xfrm>
+          <a:off x="0" y="0"/>
+          <a:ext cx="0" cy="0"/>
+          <a:chOff x="0" y="0"/>
+          <a:chExt cx="0" cy="0"/>
+        </a:xfrm>
+      </p:grpSpPr>
+      <p:pic>
+        <p:nvPicPr>
+          <p:cNvPr id="5" name="그림 4">
+            <a:extLst>
+              <a:ext uri="{FF2B5EF4-FFF2-40B4-BE49-F238E27FC236}">
+                <a16:creationId xmlns:a16="http://schemas.microsoft.com/office/drawing/2014/main" id="{52003348-09B3-84DF-FDDD-85C87B35BEF1}"/>
+              </a:ext>
+            </a:extLst>
+          </p:cNvPr>
+          <p:cNvPicPr>
+            <a:picLocks noChangeAspect="1"/>
+          </p:cNvPicPr>
+          <p:nvPr/>
+        </p:nvPicPr>
+        <p:blipFill>
+          <a:blip r:embed="rId2"/>
+          <a:stretch>
+            <a:fillRect/>
+          </a:stretch>
+        </p:blipFill>
+        <p:spPr>
+          <a:xfrm>
+            <a:off x="1171010" y="4305300"/>
+            <a:ext cx="9678751" cy="1124107"/>
+          </a:xfrm>
+          <a:prstGeom prst="rect">
+            <a:avLst/>
+          </a:prstGeom>
+        </p:spPr>
+      </p:pic>
+      <p:pic>
+        <p:nvPicPr>
+          <p:cNvPr id="7" name="그림 6">
+            <a:extLst>
+              <a:ext uri="{FF2B5EF4-FFF2-40B4-BE49-F238E27FC236}">
+                <a16:creationId xmlns:a16="http://schemas.microsoft.com/office/drawing/2014/main" id="{782896D1-1C6B-F4E0-151B-6EBB66B76194}"/>
+              </a:ext>
+            </a:extLst>
+          </p:cNvPr>
+          <p:cNvPicPr>
+            <a:picLocks noChangeAspect="1"/>
+          </p:cNvPicPr>
+          <p:nvPr/>
+        </p:nvPicPr>
+        <p:blipFill>
+          <a:blip r:embed="rId3">
+            <a:extLst>
+              <a:ext uri="{28A0092B-C50C-407E-A947-70E740481C1C}">
+                <a14:useLocalDpi xmlns:a14="http://schemas.microsoft.com/office/drawing/2010/main" val="0"/>
+              </a:ext>
+            </a:extLst>
+          </a:blip>
+          <a:srcRect/>
+          <a:stretch/>
+        </p:blipFill>
+        <p:spPr>
+          <a:xfrm>
+            <a:off x="1983055" y="1076334"/>
+            <a:ext cx="8866706" cy="3228966"/>
+          </a:xfrm>
+          <a:prstGeom prst="rect">
+            <a:avLst/>
+          </a:prstGeom>
+        </p:spPr>
+      </p:pic>
+      <p:sp>
+        <p:nvSpPr>
+          <p:cNvPr id="8" name="직사각형 7">
+            <a:extLst>
+              <a:ext uri="{FF2B5EF4-FFF2-40B4-BE49-F238E27FC236}">
+                <a16:creationId xmlns:a16="http://schemas.microsoft.com/office/drawing/2014/main" id="{2334A0DA-725E-8CCF-6CBC-FB874A7ACC99}"/>
+              </a:ext>
+            </a:extLst>
+          </p:cNvPr>
+          <p:cNvSpPr/>
+          <p:nvPr/>
+        </p:nvSpPr>
+        <p:spPr>
+          <a:xfrm>
+            <a:off x="4362831" y="3496992"/>
+            <a:ext cx="3705225" cy="323850"/>
+          </a:xfrm>
+          <a:prstGeom prst="rect">
+            <a:avLst/>
+          </a:prstGeom>
+          <a:noFill/>
+          <a:ln w="38100">
+            <a:solidFill>
+              <a:srgbClr val="FF0000"/>
+            </a:solidFill>
+          </a:ln>
+        </p:spPr>
+        <p:style>
+          <a:lnRef idx="2">
+            <a:schemeClr val="accent1">
+              <a:shade val="15000"/>
+            </a:schemeClr>
+          </a:lnRef>
+          <a:fillRef idx="1">
+            <a:schemeClr val="accent1"/>
+          </a:fillRef>
+          <a:effectRef idx="0">
+            <a:schemeClr val="accent1"/>
+          </a:effectRef>
+          <a:fontRef idx="minor">
+            <a:schemeClr val="lt1"/>
+          </a:fontRef>
+        </p:style>
+        <p:txBody>
+          <a:bodyPr rtlCol="0" anchor="ctr"/>
+          <a:lstStyle/>
+          <a:p>
+            <a:pPr algn="ctr"/>
+            <a:endParaRPr lang="ko-KR" altLang="en-US"/>
+          </a:p>
+        </p:txBody>
+      </p:sp>
+      <p:cxnSp>
+        <p:nvCxnSpPr>
+          <p:cNvPr id="10" name="직선 화살표 연결선 9">
+            <a:extLst>
+              <a:ext uri="{FF2B5EF4-FFF2-40B4-BE49-F238E27FC236}">
+                <a16:creationId xmlns:a16="http://schemas.microsoft.com/office/drawing/2014/main" id="{CDD02F01-070F-3AA6-E223-3EE23FC90DB7}"/>
+              </a:ext>
+            </a:extLst>
+          </p:cNvPr>
+          <p:cNvCxnSpPr>
+            <a:cxnSpLocks/>
+            <a:stCxn id="8" idx="2"/>
+          </p:cNvCxnSpPr>
+          <p:nvPr/>
+        </p:nvCxnSpPr>
+        <p:spPr>
+          <a:xfrm flipH="1">
+            <a:off x="4025900" y="3820842"/>
+            <a:ext cx="2189544" cy="484458"/>
+          </a:xfrm>
+          <a:prstGeom prst="straightConnector1">
+            <a:avLst/>
+          </a:prstGeom>
+          <a:ln w="28575">
+            <a:solidFill>
+              <a:srgbClr val="FF0000"/>
+            </a:solidFill>
+            <a:tailEnd type="triangle"/>
+          </a:ln>
+        </p:spPr>
+        <p:style>
+          <a:lnRef idx="2">
+            <a:schemeClr val="accent1"/>
+          </a:lnRef>
+          <a:fillRef idx="0">
+            <a:schemeClr val="accent1"/>
+          </a:fillRef>
+          <a:effectRef idx="1">
+            <a:schemeClr val="accent1"/>
+          </a:effectRef>
+          <a:fontRef idx="minor">
+            <a:schemeClr val="tx1"/>
+          </a:fontRef>
+        </p:style>
+      </p:cxnSp>
+    </p:spTree>
+    <p:extLst>
+      <p:ext uri="{BB962C8B-B14F-4D97-AF65-F5344CB8AC3E}">
+        <p14:creationId xmlns:p14="http://schemas.microsoft.com/office/powerpoint/2010/main" val="764184988"/>
+      </p:ext>
+    </p:extLst>
+  </p:cSld>
+  <p:clrMapOvr>
+    <a:masterClrMapping/>
+  </p:clrMapOvr>
+</p:sld>
+</file>
+
 <file path=ppt/theme/theme1.xml><?xml version="1.0" encoding="utf-8"?>
 <a:theme xmlns:a="http://schemas.openxmlformats.org/drawingml/2006/main" name="Office 테마">
   <a:themeElements>
